--- a/Documentation/New Microsoft PowerPoint Presentation.pptx
+++ b/Documentation/New Microsoft PowerPoint Presentation.pptx
@@ -7,6 +7,7 @@
   <p:sldIdLst>
     <p:sldId id="256" r:id="rId2"/>
     <p:sldId id="257" r:id="rId3"/>
+    <p:sldId id="258" r:id="rId4"/>
   </p:sldIdLst>
   <p:sldSz cx="12192000" cy="6858000"/>
   <p:notesSz cx="6858000" cy="9144000"/>
@@ -105,6 +106,11 @@
       </a:defRPr>
     </a:lvl9pPr>
   </p:defaultTextStyle>
+  <p:extLst>
+    <p:ext uri="{EFAFB233-063F-42B5-8137-9DF3F51BA10A}">
+      <p15:sldGuideLst xmlns:p15="http://schemas.microsoft.com/office/powerpoint/2012/main"/>
+    </p:ext>
+  </p:extLst>
 </p:presentation>
 </file>
 
@@ -255,7 +261,7 @@
           <a:p>
             <a:fld id="{DFB45DC5-A775-4277-8C1F-0B9E0934C93D}" type="datetimeFigureOut">
               <a:rPr lang="en-US" smtClean="0"/>
-              <a:t>9/6/2023</a:t>
+              <a:t>9/7/2023</a:t>
             </a:fld>
             <a:endParaRPr lang="en-US"/>
           </a:p>
@@ -453,7 +459,7 @@
           <a:p>
             <a:fld id="{DFB45DC5-A775-4277-8C1F-0B9E0934C93D}" type="datetimeFigureOut">
               <a:rPr lang="en-US" smtClean="0"/>
-              <a:t>9/6/2023</a:t>
+              <a:t>9/7/2023</a:t>
             </a:fld>
             <a:endParaRPr lang="en-US"/>
           </a:p>
@@ -661,7 +667,7 @@
           <a:p>
             <a:fld id="{DFB45DC5-A775-4277-8C1F-0B9E0934C93D}" type="datetimeFigureOut">
               <a:rPr lang="en-US" smtClean="0"/>
-              <a:t>9/6/2023</a:t>
+              <a:t>9/7/2023</a:t>
             </a:fld>
             <a:endParaRPr lang="en-US"/>
           </a:p>
@@ -859,7 +865,7 @@
           <a:p>
             <a:fld id="{DFB45DC5-A775-4277-8C1F-0B9E0934C93D}" type="datetimeFigureOut">
               <a:rPr lang="en-US" smtClean="0"/>
-              <a:t>9/6/2023</a:t>
+              <a:t>9/7/2023</a:t>
             </a:fld>
             <a:endParaRPr lang="en-US"/>
           </a:p>
@@ -1134,7 +1140,7 @@
           <a:p>
             <a:fld id="{DFB45DC5-A775-4277-8C1F-0B9E0934C93D}" type="datetimeFigureOut">
               <a:rPr lang="en-US" smtClean="0"/>
-              <a:t>9/6/2023</a:t>
+              <a:t>9/7/2023</a:t>
             </a:fld>
             <a:endParaRPr lang="en-US"/>
           </a:p>
@@ -1399,7 +1405,7 @@
           <a:p>
             <a:fld id="{DFB45DC5-A775-4277-8C1F-0B9E0934C93D}" type="datetimeFigureOut">
               <a:rPr lang="en-US" smtClean="0"/>
-              <a:t>9/6/2023</a:t>
+              <a:t>9/7/2023</a:t>
             </a:fld>
             <a:endParaRPr lang="en-US"/>
           </a:p>
@@ -1811,7 +1817,7 @@
           <a:p>
             <a:fld id="{DFB45DC5-A775-4277-8C1F-0B9E0934C93D}" type="datetimeFigureOut">
               <a:rPr lang="en-US" smtClean="0"/>
-              <a:t>9/6/2023</a:t>
+              <a:t>9/7/2023</a:t>
             </a:fld>
             <a:endParaRPr lang="en-US"/>
           </a:p>
@@ -1952,7 +1958,7 @@
           <a:p>
             <a:fld id="{DFB45DC5-A775-4277-8C1F-0B9E0934C93D}" type="datetimeFigureOut">
               <a:rPr lang="en-US" smtClean="0"/>
-              <a:t>9/6/2023</a:t>
+              <a:t>9/7/2023</a:t>
             </a:fld>
             <a:endParaRPr lang="en-US"/>
           </a:p>
@@ -2065,7 +2071,7 @@
           <a:p>
             <a:fld id="{DFB45DC5-A775-4277-8C1F-0B9E0934C93D}" type="datetimeFigureOut">
               <a:rPr lang="en-US" smtClean="0"/>
-              <a:t>9/6/2023</a:t>
+              <a:t>9/7/2023</a:t>
             </a:fld>
             <a:endParaRPr lang="en-US"/>
           </a:p>
@@ -2376,7 +2382,7 @@
           <a:p>
             <a:fld id="{DFB45DC5-A775-4277-8C1F-0B9E0934C93D}" type="datetimeFigureOut">
               <a:rPr lang="en-US" smtClean="0"/>
-              <a:t>9/6/2023</a:t>
+              <a:t>9/7/2023</a:t>
             </a:fld>
             <a:endParaRPr lang="en-US"/>
           </a:p>
@@ -2664,7 +2670,7 @@
           <a:p>
             <a:fld id="{DFB45DC5-A775-4277-8C1F-0B9E0934C93D}" type="datetimeFigureOut">
               <a:rPr lang="en-US" smtClean="0"/>
-              <a:t>9/6/2023</a:t>
+              <a:t>9/7/2023</a:t>
             </a:fld>
             <a:endParaRPr lang="en-US"/>
           </a:p>
@@ -2905,7 +2911,7 @@
           <a:p>
             <a:fld id="{DFB45DC5-A775-4277-8C1F-0B9E0934C93D}" type="datetimeFigureOut">
               <a:rPr lang="en-US" smtClean="0"/>
-              <a:t>9/6/2023</a:t>
+              <a:t>9/7/2023</a:t>
             </a:fld>
             <a:endParaRPr lang="en-US"/>
           </a:p>
@@ -4567,6 +4573,443 @@
 </p:sld>
 </file>
 
+<file path=ppt/slides/slide3.xml><?xml version="1.0" encoding="utf-8"?>
+<p:sld xmlns:a="http://schemas.openxmlformats.org/drawingml/2006/main" xmlns:r="http://schemas.openxmlformats.org/officeDocument/2006/relationships" xmlns:p="http://schemas.openxmlformats.org/presentationml/2006/main">
+  <p:cSld>
+    <p:spTree>
+      <p:nvGrpSpPr>
+        <p:cNvPr id="1" name=""/>
+        <p:cNvGrpSpPr/>
+        <p:nvPr/>
+      </p:nvGrpSpPr>
+      <p:grpSpPr>
+        <a:xfrm>
+          <a:off x="0" y="0"/>
+          <a:ext cx="0" cy="0"/>
+          <a:chOff x="0" y="0"/>
+          <a:chExt cx="0" cy="0"/>
+        </a:xfrm>
+      </p:grpSpPr>
+      <p:sp>
+        <p:nvSpPr>
+          <p:cNvPr id="2" name="Rectangle 1">
+            <a:extLst>
+              <a:ext uri="{FF2B5EF4-FFF2-40B4-BE49-F238E27FC236}">
+                <a16:creationId xmlns:a16="http://schemas.microsoft.com/office/drawing/2014/main" id="{AE50ABCC-50F5-5187-7B10-BF0139C0AC3E}"/>
+              </a:ext>
+            </a:extLst>
+          </p:cNvPr>
+          <p:cNvSpPr/>
+          <p:nvPr/>
+        </p:nvSpPr>
+        <p:spPr>
+          <a:xfrm>
+            <a:off x="5519790" y="2523653"/>
+            <a:ext cx="1152420" cy="1152420"/>
+          </a:xfrm>
+          <a:prstGeom prst="rect">
+            <a:avLst/>
+          </a:prstGeom>
+          <a:solidFill>
+            <a:srgbClr val="3D6CC1"/>
+          </a:solidFill>
+          <a:ln>
+            <a:noFill/>
+          </a:ln>
+        </p:spPr>
+        <p:style>
+          <a:lnRef idx="2">
+            <a:schemeClr val="accent1">
+              <a:shade val="15000"/>
+            </a:schemeClr>
+          </a:lnRef>
+          <a:fillRef idx="1">
+            <a:schemeClr val="accent1"/>
+          </a:fillRef>
+          <a:effectRef idx="0">
+            <a:schemeClr val="accent1"/>
+          </a:effectRef>
+          <a:fontRef idx="minor">
+            <a:schemeClr val="lt1"/>
+          </a:fontRef>
+        </p:style>
+        <p:txBody>
+          <a:bodyPr rtlCol="0" anchor="ctr"/>
+          <a:lstStyle/>
+          <a:p>
+            <a:pPr algn="ctr"/>
+            <a:endParaRPr lang="en-US" dirty="0"/>
+          </a:p>
+        </p:txBody>
+      </p:sp>
+      <p:sp>
+        <p:nvSpPr>
+          <p:cNvPr id="4" name="Rectangle 3">
+            <a:extLst>
+              <a:ext uri="{FF2B5EF4-FFF2-40B4-BE49-F238E27FC236}">
+                <a16:creationId xmlns:a16="http://schemas.microsoft.com/office/drawing/2014/main" id="{F6A76F94-0DDA-7EE4-FA4C-E6A5981DF45D}"/>
+              </a:ext>
+            </a:extLst>
+          </p:cNvPr>
+          <p:cNvSpPr/>
+          <p:nvPr/>
+        </p:nvSpPr>
+        <p:spPr>
+          <a:xfrm rot="16200000">
+            <a:off x="4998145" y="2992582"/>
+            <a:ext cx="838200" cy="214562"/>
+          </a:xfrm>
+          <a:prstGeom prst="rect">
+            <a:avLst/>
+          </a:prstGeom>
+          <a:solidFill>
+            <a:schemeClr val="accent6">
+              <a:lumMod val="75000"/>
+            </a:schemeClr>
+          </a:solidFill>
+          <a:ln>
+            <a:noFill/>
+          </a:ln>
+        </p:spPr>
+        <p:style>
+          <a:lnRef idx="2">
+            <a:schemeClr val="accent1">
+              <a:shade val="15000"/>
+            </a:schemeClr>
+          </a:lnRef>
+          <a:fillRef idx="1">
+            <a:schemeClr val="accent1"/>
+          </a:fillRef>
+          <a:effectRef idx="0">
+            <a:schemeClr val="accent1"/>
+          </a:effectRef>
+          <a:fontRef idx="minor">
+            <a:schemeClr val="lt1"/>
+          </a:fontRef>
+        </p:style>
+        <p:txBody>
+          <a:bodyPr rtlCol="0" anchor="ctr"/>
+          <a:lstStyle/>
+          <a:p>
+            <a:pPr algn="ctr"/>
+            <a:endParaRPr lang="en-US" sz="1200" dirty="0"/>
+          </a:p>
+        </p:txBody>
+      </p:sp>
+      <p:cxnSp>
+        <p:nvCxnSpPr>
+          <p:cNvPr id="20" name="Straight Arrow Connector 19">
+            <a:extLst>
+              <a:ext uri="{FF2B5EF4-FFF2-40B4-BE49-F238E27FC236}">
+                <a16:creationId xmlns:a16="http://schemas.microsoft.com/office/drawing/2014/main" id="{92C31495-3308-D4CA-DDCD-7AF18C87890C}"/>
+              </a:ext>
+            </a:extLst>
+          </p:cNvPr>
+          <p:cNvCxnSpPr>
+            <a:cxnSpLocks/>
+          </p:cNvCxnSpPr>
+          <p:nvPr/>
+        </p:nvCxnSpPr>
+        <p:spPr>
+          <a:xfrm flipH="1">
+            <a:off x="4168140" y="3099862"/>
+            <a:ext cx="1927860" cy="0"/>
+          </a:xfrm>
+          <a:prstGeom prst="straightConnector1">
+            <a:avLst/>
+          </a:prstGeom>
+          <a:ln w="76200">
+            <a:solidFill>
+              <a:schemeClr val="tx1"/>
+            </a:solidFill>
+            <a:tailEnd type="triangle"/>
+          </a:ln>
+        </p:spPr>
+        <p:style>
+          <a:lnRef idx="1">
+            <a:schemeClr val="accent1"/>
+          </a:lnRef>
+          <a:fillRef idx="0">
+            <a:schemeClr val="accent1"/>
+          </a:fillRef>
+          <a:effectRef idx="0">
+            <a:schemeClr val="accent1"/>
+          </a:effectRef>
+          <a:fontRef idx="minor">
+            <a:schemeClr val="tx1"/>
+          </a:fontRef>
+        </p:style>
+      </p:cxnSp>
+      <p:sp>
+        <p:nvSpPr>
+          <p:cNvPr id="29" name="Rectangle 28">
+            <a:extLst>
+              <a:ext uri="{FF2B5EF4-FFF2-40B4-BE49-F238E27FC236}">
+                <a16:creationId xmlns:a16="http://schemas.microsoft.com/office/drawing/2014/main" id="{B1A08AA3-49D2-B8D4-53D8-1B7AD10DBCBF}"/>
+              </a:ext>
+            </a:extLst>
+          </p:cNvPr>
+          <p:cNvSpPr/>
+          <p:nvPr/>
+        </p:nvSpPr>
+        <p:spPr>
+          <a:xfrm>
+            <a:off x="7672035" y="1772218"/>
+            <a:ext cx="1027728" cy="1027728"/>
+          </a:xfrm>
+          <a:prstGeom prst="rect">
+            <a:avLst/>
+          </a:prstGeom>
+          <a:solidFill>
+            <a:srgbClr val="E20000"/>
+          </a:solidFill>
+          <a:ln>
+            <a:noFill/>
+          </a:ln>
+        </p:spPr>
+        <p:style>
+          <a:lnRef idx="2">
+            <a:schemeClr val="accent1">
+              <a:shade val="15000"/>
+            </a:schemeClr>
+          </a:lnRef>
+          <a:fillRef idx="1">
+            <a:schemeClr val="accent1"/>
+          </a:fillRef>
+          <a:effectRef idx="0">
+            <a:schemeClr val="accent1"/>
+          </a:effectRef>
+          <a:fontRef idx="minor">
+            <a:schemeClr val="lt1"/>
+          </a:fontRef>
+        </p:style>
+        <p:txBody>
+          <a:bodyPr rtlCol="0" anchor="ctr"/>
+          <a:lstStyle/>
+          <a:p>
+            <a:pPr algn="ctr"/>
+            <a:endParaRPr lang="en-US" dirty="0"/>
+          </a:p>
+        </p:txBody>
+      </p:sp>
+      <p:cxnSp>
+        <p:nvCxnSpPr>
+          <p:cNvPr id="30" name="Straight Arrow Connector 29">
+            <a:extLst>
+              <a:ext uri="{FF2B5EF4-FFF2-40B4-BE49-F238E27FC236}">
+                <a16:creationId xmlns:a16="http://schemas.microsoft.com/office/drawing/2014/main" id="{46E08DE5-9CE4-9414-B74C-9CB1710F1A5F}"/>
+              </a:ext>
+            </a:extLst>
+          </p:cNvPr>
+          <p:cNvCxnSpPr>
+            <a:cxnSpLocks/>
+          </p:cNvCxnSpPr>
+          <p:nvPr/>
+        </p:nvCxnSpPr>
+        <p:spPr>
+          <a:xfrm flipV="1">
+            <a:off x="6067010" y="2286082"/>
+            <a:ext cx="2118889" cy="813780"/>
+          </a:xfrm>
+          <a:prstGeom prst="straightConnector1">
+            <a:avLst/>
+          </a:prstGeom>
+          <a:ln w="76200">
+            <a:solidFill>
+              <a:schemeClr val="tx1"/>
+            </a:solidFill>
+            <a:tailEnd type="triangle"/>
+          </a:ln>
+        </p:spPr>
+        <p:style>
+          <a:lnRef idx="1">
+            <a:schemeClr val="accent1"/>
+          </a:lnRef>
+          <a:fillRef idx="0">
+            <a:schemeClr val="accent1"/>
+          </a:fillRef>
+          <a:effectRef idx="0">
+            <a:schemeClr val="accent1"/>
+          </a:effectRef>
+          <a:fontRef idx="minor">
+            <a:schemeClr val="tx1"/>
+          </a:fontRef>
+        </p:style>
+      </p:cxnSp>
+      <p:sp>
+        <p:nvSpPr>
+          <p:cNvPr id="46" name="Arc 45">
+            <a:extLst>
+              <a:ext uri="{FF2B5EF4-FFF2-40B4-BE49-F238E27FC236}">
+                <a16:creationId xmlns:a16="http://schemas.microsoft.com/office/drawing/2014/main" id="{68366D76-81A5-0F8A-DEAE-C13F0976B6D3}"/>
+              </a:ext>
+            </a:extLst>
+          </p:cNvPr>
+          <p:cNvSpPr/>
+          <p:nvPr/>
+        </p:nvSpPr>
+        <p:spPr>
+          <a:xfrm>
+            <a:off x="5772376" y="2765681"/>
+            <a:ext cx="597919" cy="597919"/>
+          </a:xfrm>
+          <a:prstGeom prst="arc">
+            <a:avLst>
+              <a:gd name="adj1" fmla="val 10851537"/>
+              <a:gd name="adj2" fmla="val 20242802"/>
+            </a:avLst>
+          </a:prstGeom>
+          <a:ln w="38100">
+            <a:solidFill>
+              <a:schemeClr val="bg1"/>
+            </a:solidFill>
+          </a:ln>
+        </p:spPr>
+        <p:style>
+          <a:lnRef idx="1">
+            <a:schemeClr val="accent1"/>
+          </a:lnRef>
+          <a:fillRef idx="0">
+            <a:schemeClr val="accent1"/>
+          </a:fillRef>
+          <a:effectRef idx="0">
+            <a:schemeClr val="accent1"/>
+          </a:effectRef>
+          <a:fontRef idx="minor">
+            <a:schemeClr val="tx1"/>
+          </a:fontRef>
+        </p:style>
+        <p:txBody>
+          <a:bodyPr rtlCol="0" anchor="ctr"/>
+          <a:lstStyle/>
+          <a:p>
+            <a:pPr algn="ctr"/>
+            <a:endParaRPr lang="en-US"/>
+          </a:p>
+        </p:txBody>
+      </p:sp>
+      <p:sp>
+        <p:nvSpPr>
+          <p:cNvPr id="48" name="TextBox 47">
+            <a:extLst>
+              <a:ext uri="{FF2B5EF4-FFF2-40B4-BE49-F238E27FC236}">
+                <a16:creationId xmlns:a16="http://schemas.microsoft.com/office/drawing/2014/main" id="{383A88D9-7D7F-AC3E-DCAB-ABEDC8DFCBC2}"/>
+              </a:ext>
+            </a:extLst>
+          </p:cNvPr>
+          <p:cNvSpPr txBox="1"/>
+          <p:nvPr/>
+        </p:nvSpPr>
+        <p:spPr>
+          <a:xfrm>
+            <a:off x="5609664" y="2431362"/>
+            <a:ext cx="209496" cy="523220"/>
+          </a:xfrm>
+          <a:prstGeom prst="rect">
+            <a:avLst/>
+          </a:prstGeom>
+          <a:noFill/>
+        </p:spPr>
+        <p:txBody>
+          <a:bodyPr wrap="square" rtlCol="0">
+            <a:spAutoFit/>
+          </a:bodyPr>
+          <a:lstStyle/>
+          <a:p>
+            <a:r>
+              <a:rPr lang="el-GR" sz="2800" dirty="0">
+                <a:solidFill>
+                  <a:schemeClr val="bg1"/>
+                </a:solidFill>
+              </a:rPr>
+              <a:t>θ</a:t>
+            </a:r>
+            <a:endParaRPr lang="en-US" sz="2800" dirty="0">
+              <a:solidFill>
+                <a:schemeClr val="bg1"/>
+              </a:solidFill>
+            </a:endParaRPr>
+          </a:p>
+        </p:txBody>
+      </p:sp>
+      <p:sp>
+        <p:nvSpPr>
+          <p:cNvPr id="49" name="Callout: Line 48">
+            <a:extLst>
+              <a:ext uri="{FF2B5EF4-FFF2-40B4-BE49-F238E27FC236}">
+                <a16:creationId xmlns:a16="http://schemas.microsoft.com/office/drawing/2014/main" id="{FAFEBCBD-DBE6-B781-C99E-7EA16ED86086}"/>
+              </a:ext>
+            </a:extLst>
+          </p:cNvPr>
+          <p:cNvSpPr/>
+          <p:nvPr/>
+        </p:nvSpPr>
+        <p:spPr>
+          <a:xfrm>
+            <a:off x="3423840" y="2384611"/>
+            <a:ext cx="1096125" cy="365760"/>
+          </a:xfrm>
+          <a:prstGeom prst="borderCallout1">
+            <a:avLst>
+              <a:gd name="adj1" fmla="val 54167"/>
+              <a:gd name="adj2" fmla="val 100540"/>
+              <a:gd name="adj3" fmla="val 112499"/>
+              <a:gd name="adj4" fmla="val 168478"/>
+            </a:avLst>
+          </a:prstGeom>
+          <a:solidFill>
+            <a:schemeClr val="accent6">
+              <a:lumMod val="75000"/>
+            </a:schemeClr>
+          </a:solidFill>
+          <a:ln w="22225">
+            <a:solidFill>
+              <a:schemeClr val="tx1"/>
+            </a:solidFill>
+            <a:tailEnd type="triangle" w="lg" len="lg"/>
+          </a:ln>
+        </p:spPr>
+        <p:style>
+          <a:lnRef idx="2">
+            <a:schemeClr val="accent1">
+              <a:shade val="15000"/>
+            </a:schemeClr>
+          </a:lnRef>
+          <a:fillRef idx="1">
+            <a:schemeClr val="accent1"/>
+          </a:fillRef>
+          <a:effectRef idx="0">
+            <a:schemeClr val="accent1"/>
+          </a:effectRef>
+          <a:fontRef idx="minor">
+            <a:schemeClr val="lt1"/>
+          </a:fontRef>
+        </p:style>
+        <p:txBody>
+          <a:bodyPr rtlCol="0" anchor="ctr"/>
+          <a:lstStyle/>
+          <a:p>
+            <a:pPr algn="ctr"/>
+            <a:r>
+              <a:rPr lang="en-US" sz="2000" dirty="0"/>
+              <a:t>Payload</a:t>
+            </a:r>
+          </a:p>
+        </p:txBody>
+      </p:sp>
+    </p:spTree>
+    <p:extLst>
+      <p:ext uri="{BB962C8B-B14F-4D97-AF65-F5344CB8AC3E}">
+        <p14:creationId xmlns:p14="http://schemas.microsoft.com/office/powerpoint/2010/main" val="3001932045"/>
+      </p:ext>
+    </p:extLst>
+  </p:cSld>
+  <p:clrMapOvr>
+    <a:masterClrMapping/>
+  </p:clrMapOvr>
+</p:sld>
+</file>
+
 <file path=ppt/theme/theme1.xml><?xml version="1.0" encoding="utf-8"?>
 <a:theme xmlns:a="http://schemas.openxmlformats.org/drawingml/2006/main" name="Office Theme">
   <a:themeElements>
